--- a/week12/day1/theory/Deep Learning - Intro & Perceptron.pptx
+++ b/week12/day1/theory/Deep Learning - Intro & Perceptron.pptx
@@ -5,7 +5,7 @@
     <p:sldMasterId id="2147483684" r:id="rId1"/>
   </p:sldMasterIdLst>
   <p:notesMasterIdLst>
-    <p:notesMasterId r:id="rId18"/>
+    <p:notesMasterId r:id="rId17"/>
   </p:notesMasterIdLst>
   <p:sldIdLst>
     <p:sldId id="271" r:id="rId2"/>
@@ -16,14 +16,13 @@
     <p:sldId id="314" r:id="rId7"/>
     <p:sldId id="318" r:id="rId8"/>
     <p:sldId id="320" r:id="rId9"/>
-    <p:sldId id="321" r:id="rId10"/>
-    <p:sldId id="322" r:id="rId11"/>
-    <p:sldId id="323" r:id="rId12"/>
-    <p:sldId id="324" r:id="rId13"/>
-    <p:sldId id="325" r:id="rId14"/>
-    <p:sldId id="326" r:id="rId15"/>
-    <p:sldId id="327" r:id="rId16"/>
-    <p:sldId id="285" r:id="rId17"/>
+    <p:sldId id="322" r:id="rId10"/>
+    <p:sldId id="323" r:id="rId11"/>
+    <p:sldId id="324" r:id="rId12"/>
+    <p:sldId id="325" r:id="rId13"/>
+    <p:sldId id="326" r:id="rId14"/>
+    <p:sldId id="327" r:id="rId15"/>
+    <p:sldId id="285" r:id="rId16"/>
   </p:sldIdLst>
   <p:sldSz cx="12192000" cy="6858000"/>
   <p:notesSz cx="6858000" cy="9144000"/>
@@ -232,7 +231,7 @@
           <a:p>
             <a:fld id="{CBC3D06E-D880-4630-85C6-508F7CA16EC0}" type="datetimeFigureOut">
               <a:rPr lang="es-ES" smtClean="0"/>
-              <a:t>25/09/2020</a:t>
+              <a:t>28/09/2020</a:t>
             </a:fld>
             <a:endParaRPr lang="es-ES"/>
           </a:p>
@@ -666,7 +665,7 @@
     </p:spTree>
     <p:extLst>
       <p:ext uri="{BB962C8B-B14F-4D97-AF65-F5344CB8AC3E}">
-        <p14:creationId xmlns:p14="http://schemas.microsoft.com/office/powerpoint/2010/main" val="2533319590"/>
+        <p14:creationId xmlns:p14="http://schemas.microsoft.com/office/powerpoint/2010/main" val="1032122724"/>
       </p:ext>
     </p:extLst>
   </p:cSld>
@@ -754,7 +753,7 @@
     </p:spTree>
     <p:extLst>
       <p:ext uri="{BB962C8B-B14F-4D97-AF65-F5344CB8AC3E}">
-        <p14:creationId xmlns:p14="http://schemas.microsoft.com/office/powerpoint/2010/main" val="1032122724"/>
+        <p14:creationId xmlns:p14="http://schemas.microsoft.com/office/powerpoint/2010/main" val="4045383158"/>
       </p:ext>
     </p:extLst>
   </p:cSld>
@@ -842,7 +841,7 @@
     </p:spTree>
     <p:extLst>
       <p:ext uri="{BB962C8B-B14F-4D97-AF65-F5344CB8AC3E}">
-        <p14:creationId xmlns:p14="http://schemas.microsoft.com/office/powerpoint/2010/main" val="4045383158"/>
+        <p14:creationId xmlns:p14="http://schemas.microsoft.com/office/powerpoint/2010/main" val="741782092"/>
       </p:ext>
     </p:extLst>
   </p:cSld>
@@ -930,7 +929,7 @@
     </p:spTree>
     <p:extLst>
       <p:ext uri="{BB962C8B-B14F-4D97-AF65-F5344CB8AC3E}">
-        <p14:creationId xmlns:p14="http://schemas.microsoft.com/office/powerpoint/2010/main" val="741782092"/>
+        <p14:creationId xmlns:p14="http://schemas.microsoft.com/office/powerpoint/2010/main" val="3948940348"/>
       </p:ext>
     </p:extLst>
   </p:cSld>
@@ -1018,7 +1017,7 @@
     </p:spTree>
     <p:extLst>
       <p:ext uri="{BB962C8B-B14F-4D97-AF65-F5344CB8AC3E}">
-        <p14:creationId xmlns:p14="http://schemas.microsoft.com/office/powerpoint/2010/main" val="3948940348"/>
+        <p14:creationId xmlns:p14="http://schemas.microsoft.com/office/powerpoint/2010/main" val="3763719712"/>
       </p:ext>
     </p:extLst>
   </p:cSld>
@@ -1098,94 +1097,6 @@
             <a:fld id="{63D93026-1E8D-47D2-B9FC-F3B11254A409}" type="slidenum">
               <a:rPr lang="es-ES" smtClean="0"/>
               <a:t>15</a:t>
-            </a:fld>
-            <a:endParaRPr lang="es-ES"/>
-          </a:p>
-        </p:txBody>
-      </p:sp>
-    </p:spTree>
-    <p:extLst>
-      <p:ext uri="{BB962C8B-B14F-4D97-AF65-F5344CB8AC3E}">
-        <p14:creationId xmlns:p14="http://schemas.microsoft.com/office/powerpoint/2010/main" val="3763719712"/>
-      </p:ext>
-    </p:extLst>
-  </p:cSld>
-  <p:clrMapOvr>
-    <a:masterClrMapping/>
-  </p:clrMapOvr>
-</p:notes>
-</file>
-
-<file path=ppt/notesSlides/notesSlide16.xml><?xml version="1.0" encoding="utf-8"?>
-<p:notes xmlns:a="http://schemas.openxmlformats.org/drawingml/2006/main" xmlns:r="http://schemas.openxmlformats.org/officeDocument/2006/relationships" xmlns:p="http://schemas.openxmlformats.org/presentationml/2006/main">
-  <p:cSld>
-    <p:spTree>
-      <p:nvGrpSpPr>
-        <p:cNvPr id="1" name=""/>
-        <p:cNvGrpSpPr/>
-        <p:nvPr/>
-      </p:nvGrpSpPr>
-      <p:grpSpPr>
-        <a:xfrm>
-          <a:off x="0" y="0"/>
-          <a:ext cx="0" cy="0"/>
-          <a:chOff x="0" y="0"/>
-          <a:chExt cx="0" cy="0"/>
-        </a:xfrm>
-      </p:grpSpPr>
-      <p:sp>
-        <p:nvSpPr>
-          <p:cNvPr id="2" name="Slide Image Placeholder 1"/>
-          <p:cNvSpPr>
-            <a:spLocks noGrp="1" noRot="1" noChangeAspect="1"/>
-          </p:cNvSpPr>
-          <p:nvPr>
-            <p:ph type="sldImg"/>
-          </p:nvPr>
-        </p:nvSpPr>
-        <p:spPr/>
-      </p:sp>
-      <p:sp>
-        <p:nvSpPr>
-          <p:cNvPr id="3" name="Notes Placeholder 2"/>
-          <p:cNvSpPr>
-            <a:spLocks noGrp="1"/>
-          </p:cNvSpPr>
-          <p:nvPr>
-            <p:ph type="body" idx="1"/>
-          </p:nvPr>
-        </p:nvSpPr>
-        <p:spPr/>
-        <p:txBody>
-          <a:bodyPr/>
-          <a:lstStyle/>
-          <a:p>
-            <a:pPr marL="0" indent="0">
-              <a:buFontTx/>
-              <a:buNone/>
-            </a:pPr>
-            <a:endParaRPr lang="es-ES" dirty="0"/>
-          </a:p>
-        </p:txBody>
-      </p:sp>
-      <p:sp>
-        <p:nvSpPr>
-          <p:cNvPr id="4" name="Slide Number Placeholder 3"/>
-          <p:cNvSpPr>
-            <a:spLocks noGrp="1"/>
-          </p:cNvSpPr>
-          <p:nvPr>
-            <p:ph type="sldNum" sz="quarter" idx="5"/>
-          </p:nvPr>
-        </p:nvSpPr>
-        <p:spPr/>
-        <p:txBody>
-          <a:bodyPr/>
-          <a:lstStyle/>
-          <a:p>
-            <a:fld id="{63D93026-1E8D-47D2-B9FC-F3B11254A409}" type="slidenum">
-              <a:rPr lang="es-ES" smtClean="0"/>
-              <a:t>16</a:t>
             </a:fld>
             <a:endParaRPr lang="es-ES"/>
           </a:p>
@@ -1898,7 +1809,7 @@
     </p:spTree>
     <p:extLst>
       <p:ext uri="{BB962C8B-B14F-4D97-AF65-F5344CB8AC3E}">
-        <p14:creationId xmlns:p14="http://schemas.microsoft.com/office/powerpoint/2010/main" val="1703760210"/>
+        <p14:creationId xmlns:p14="http://schemas.microsoft.com/office/powerpoint/2010/main" val="2533319590"/>
       </p:ext>
     </p:extLst>
   </p:cSld>
@@ -2040,7 +1951,7 @@
             <a:fld id="{1E700B27-DE4C-4B9E-BB11-B9027034A00F}" type="datetimeFigureOut">
               <a:rPr lang="en-US" smtClean="0"/>
               <a:pPr/>
-              <a:t>9/25/2020</a:t>
+              <a:t>9/28/2020</a:t>
             </a:fld>
             <a:endParaRPr lang="en-US" dirty="0"/>
           </a:p>
@@ -2211,7 +2122,7 @@
           <a:p>
             <a:fld id="{80DBE609-F3F2-45E6-BD6A-E03A8C86C1AE}" type="datetimeFigureOut">
               <a:rPr lang="en-US" smtClean="0"/>
-              <a:t>9/25/2020</a:t>
+              <a:t>9/28/2020</a:t>
             </a:fld>
             <a:endParaRPr lang="en-US" dirty="0"/>
           </a:p>
@@ -2392,7 +2303,7 @@
           <a:p>
             <a:fld id="{7A24AD68-089C-4467-A8F3-EA2BBCA6B44E}" type="datetimeFigureOut">
               <a:rPr lang="en-US" smtClean="0"/>
-              <a:t>9/25/2020</a:t>
+              <a:t>9/28/2020</a:t>
             </a:fld>
             <a:endParaRPr lang="en-US" dirty="0"/>
           </a:p>
@@ -2563,7 +2474,7 @@
           <a:p>
             <a:fld id="{75C51FCE-E4BB-4680-8E50-3C0E348D2609}" type="datetimeFigureOut">
               <a:rPr lang="en-US" smtClean="0"/>
-              <a:t>9/25/2020</a:t>
+              <a:t>9/28/2020</a:t>
             </a:fld>
             <a:endParaRPr lang="en-US" dirty="0"/>
           </a:p>
@@ -2810,7 +2721,7 @@
           <a:p>
             <a:fld id="{8AAA073D-A903-47F8-8D16-77642FB0DF1F}" type="datetimeFigureOut">
               <a:rPr lang="en-US" smtClean="0"/>
-              <a:t>9/25/2020</a:t>
+              <a:t>9/28/2020</a:t>
             </a:fld>
             <a:endParaRPr lang="en-US" dirty="0"/>
           </a:p>
@@ -3043,7 +2954,7 @@
           <a:p>
             <a:fld id="{AB91FA40-626B-4CA1-85D0-7A9016E395BA}" type="datetimeFigureOut">
               <a:rPr lang="en-US" smtClean="0"/>
-              <a:t>9/25/2020</a:t>
+              <a:t>9/28/2020</a:t>
             </a:fld>
             <a:endParaRPr lang="en-US" dirty="0"/>
           </a:p>
@@ -3411,7 +3322,7 @@
           <a:p>
             <a:fld id="{C3F425EA-B9DC-48A7-991E-9A82573B1B21}" type="datetimeFigureOut">
               <a:rPr lang="en-US" smtClean="0"/>
-              <a:t>9/25/2020</a:t>
+              <a:t>9/28/2020</a:t>
             </a:fld>
             <a:endParaRPr lang="en-US" dirty="0"/>
           </a:p>
@@ -3530,7 +3441,7 @@
           <a:p>
             <a:fld id="{66CB97F8-6CEB-469B-AFCC-889F2A2B1D5A}" type="datetimeFigureOut">
               <a:rPr lang="en-US" smtClean="0"/>
-              <a:t>9/25/2020</a:t>
+              <a:t>9/28/2020</a:t>
             </a:fld>
             <a:endParaRPr lang="en-US" dirty="0"/>
           </a:p>
@@ -3626,7 +3537,7 @@
           <a:p>
             <a:fld id="{8FA9179F-009E-4FA5-B091-7EBB82A185BD}" type="datetimeFigureOut">
               <a:rPr lang="en-US" smtClean="0"/>
-              <a:t>9/25/2020</a:t>
+              <a:t>9/28/2020</a:t>
             </a:fld>
             <a:endParaRPr lang="en-US" dirty="0"/>
           </a:p>
@@ -3904,7 +3815,7 @@
           <a:p>
             <a:fld id="{8E665CEB-0076-4E37-B880-BCEA9784DE0A}" type="datetimeFigureOut">
               <a:rPr lang="en-US" smtClean="0"/>
-              <a:t>9/25/2020</a:t>
+              <a:t>9/28/2020</a:t>
             </a:fld>
             <a:endParaRPr lang="en-US" dirty="0"/>
           </a:p>
@@ -4162,7 +4073,7 @@
           <a:p>
             <a:fld id="{A6149E5E-3896-4118-99A7-7B85668F1C5E}" type="datetimeFigureOut">
               <a:rPr lang="en-US" smtClean="0"/>
-              <a:t>9/25/2020</a:t>
+              <a:t>9/28/2020</a:t>
             </a:fld>
             <a:endParaRPr lang="en-US" dirty="0"/>
           </a:p>
@@ -4376,7 +4287,7 @@
           <a:p>
             <a:fld id="{7E0D914D-B099-4142-A885-11F276715148}" type="datetimeFigureOut">
               <a:rPr lang="en-US" smtClean="0"/>
-              <a:t>9/25/2020</a:t>
+              <a:t>9/28/2020</a:t>
             </a:fld>
             <a:endParaRPr lang="en-US" dirty="0"/>
           </a:p>
@@ -4883,271 +4794,6 @@
         <p:spPr>
           <a:xfrm>
             <a:off x="838199" y="365125"/>
-            <a:ext cx="8921817" cy="1030538"/>
-          </a:xfrm>
-        </p:spPr>
-        <p:txBody>
-          <a:bodyPr/>
-          <a:lstStyle/>
-          <a:p>
-            <a:r>
-              <a:rPr lang="es-ES" dirty="0">
-                <a:solidFill>
-                  <a:srgbClr val="FF0000"/>
-                </a:solidFill>
-              </a:rPr>
-              <a:t>Redes neuronales: perceptrón</a:t>
-            </a:r>
-          </a:p>
-        </p:txBody>
-      </p:sp>
-      <p:pic>
-        <p:nvPicPr>
-          <p:cNvPr id="4098" name="Picture 2" descr="Figure 9: A simple perceptron">
-            <a:extLst>
-              <a:ext uri="{FF2B5EF4-FFF2-40B4-BE49-F238E27FC236}">
-                <a16:creationId xmlns:a16="http://schemas.microsoft.com/office/drawing/2014/main" id="{EA437F6D-FB1C-43E8-8766-68D974A7D1B2}"/>
-              </a:ext>
-            </a:extLst>
-          </p:cNvPr>
-          <p:cNvPicPr>
-            <a:picLocks noChangeAspect="1" noChangeArrowheads="1"/>
-          </p:cNvPicPr>
-          <p:nvPr/>
-        </p:nvPicPr>
-        <p:blipFill>
-          <a:blip r:embed="rId3">
-            <a:extLst>
-              <a:ext uri="{28A0092B-C50C-407E-A947-70E740481C1C}">
-                <a14:useLocalDpi xmlns:a14="http://schemas.microsoft.com/office/drawing/2010/main" val="0"/>
-              </a:ext>
-            </a:extLst>
-          </a:blip>
-          <a:srcRect/>
-          <a:stretch>
-            <a:fillRect/>
-          </a:stretch>
-        </p:blipFill>
-        <p:spPr bwMode="auto">
-          <a:xfrm>
-            <a:off x="6776185" y="1693490"/>
-            <a:ext cx="4444426" cy="3823069"/>
-          </a:xfrm>
-          <a:prstGeom prst="rect">
-            <a:avLst/>
-          </a:prstGeom>
-          <a:noFill/>
-          <a:extLst>
-            <a:ext uri="{909E8E84-426E-40DD-AFC4-6F175D3DCCD1}">
-              <a14:hiddenFill xmlns:a14="http://schemas.microsoft.com/office/drawing/2010/main">
-                <a:solidFill>
-                  <a:srgbClr val="FFFFFF"/>
-                </a:solidFill>
-              </a14:hiddenFill>
-            </a:ext>
-          </a:extLst>
-        </p:spPr>
-      </p:pic>
-      <p:sp>
-        <p:nvSpPr>
-          <p:cNvPr id="6" name="Rectangle 5">
-            <a:extLst>
-              <a:ext uri="{FF2B5EF4-FFF2-40B4-BE49-F238E27FC236}">
-                <a16:creationId xmlns:a16="http://schemas.microsoft.com/office/drawing/2014/main" id="{464AD9F1-F53E-4C80-8765-9636F0406072}"/>
-              </a:ext>
-            </a:extLst>
-          </p:cNvPr>
-          <p:cNvSpPr/>
-          <p:nvPr/>
-        </p:nvSpPr>
-        <p:spPr>
-          <a:xfrm>
-            <a:off x="723643" y="1693490"/>
-            <a:ext cx="4575464" cy="2862322"/>
-          </a:xfrm>
-          <a:prstGeom prst="rect">
-            <a:avLst/>
-          </a:prstGeom>
-        </p:spPr>
-        <p:txBody>
-          <a:bodyPr wrap="square">
-            <a:spAutoFit/>
-          </a:bodyPr>
-          <a:lstStyle/>
-          <a:p>
-            <a:pPr marL="285750" indent="-285750">
-              <a:buFont typeface="Arial" panose="020B0604020202020204" pitchFamily="34" charset="0"/>
-              <a:buChar char="•"/>
-            </a:pPr>
-            <a:r>
-              <a:rPr lang="es-ES" dirty="0"/>
-              <a:t>Las entradas están conectadas directamente con la capa de salida. </a:t>
-            </a:r>
-          </a:p>
-          <a:p>
-            <a:pPr marL="285750" indent="-285750">
-              <a:buFont typeface="Arial" panose="020B0604020202020204" pitchFamily="34" charset="0"/>
-              <a:buChar char="•"/>
-            </a:pPr>
-            <a:endParaRPr lang="es-ES" dirty="0"/>
-          </a:p>
-          <a:p>
-            <a:pPr marL="285750" indent="-285750">
-              <a:buFont typeface="Arial" panose="020B0604020202020204" pitchFamily="34" charset="0"/>
-              <a:buChar char="•"/>
-            </a:pPr>
-            <a:r>
-              <a:rPr lang="es-ES" dirty="0"/>
-              <a:t>En este caso, no existe capa de características (</a:t>
-            </a:r>
-            <a:r>
-              <a:rPr lang="es-ES" dirty="0" err="1"/>
-              <a:t>feature</a:t>
-            </a:r>
-            <a:r>
-              <a:rPr lang="es-ES" dirty="0"/>
-              <a:t> </a:t>
-            </a:r>
-            <a:r>
-              <a:rPr lang="es-ES" dirty="0" err="1"/>
-              <a:t>layers</a:t>
-            </a:r>
-            <a:r>
-              <a:rPr lang="es-ES" dirty="0"/>
-              <a:t>) o capas ocultas (</a:t>
-            </a:r>
-            <a:r>
-              <a:rPr lang="es-ES" dirty="0" err="1"/>
-              <a:t>hidden</a:t>
-            </a:r>
-            <a:r>
-              <a:rPr lang="es-ES" dirty="0"/>
-              <a:t> </a:t>
-            </a:r>
-            <a:r>
-              <a:rPr lang="es-ES" dirty="0" err="1"/>
-              <a:t>layers</a:t>
-            </a:r>
-            <a:r>
-              <a:rPr lang="es-ES" dirty="0"/>
-              <a:t>). </a:t>
-            </a:r>
-          </a:p>
-          <a:p>
-            <a:pPr marL="285750" indent="-285750">
-              <a:buFont typeface="Arial" panose="020B0604020202020204" pitchFamily="34" charset="0"/>
-              <a:buChar char="•"/>
-            </a:pPr>
-            <a:endParaRPr lang="es-ES" dirty="0"/>
-          </a:p>
-          <a:p>
-            <a:pPr marL="285750" indent="-285750">
-              <a:buFont typeface="Arial" panose="020B0604020202020204" pitchFamily="34" charset="0"/>
-              <a:buChar char="•"/>
-            </a:pPr>
-            <a:r>
-              <a:rPr lang="es-ES" dirty="0"/>
-              <a:t>Según los pesos y las entradas, tendremos una operación que se realiza en la neurona de salida (o1)</a:t>
-            </a:r>
-          </a:p>
-        </p:txBody>
-      </p:sp>
-      <p:pic>
-        <p:nvPicPr>
-          <p:cNvPr id="5122" name="Picture 2" descr="Figure 11: Formula to calculate the neural net’s output">
-            <a:extLst>
-              <a:ext uri="{FF2B5EF4-FFF2-40B4-BE49-F238E27FC236}">
-                <a16:creationId xmlns:a16="http://schemas.microsoft.com/office/drawing/2014/main" id="{02250ACE-076C-4F31-B8BB-F79E64A24451}"/>
-              </a:ext>
-            </a:extLst>
-          </p:cNvPr>
-          <p:cNvPicPr>
-            <a:picLocks noChangeAspect="1" noChangeArrowheads="1"/>
-          </p:cNvPicPr>
-          <p:nvPr/>
-        </p:nvPicPr>
-        <p:blipFill>
-          <a:blip r:embed="rId4">
-            <a:extLst>
-              <a:ext uri="{28A0092B-C50C-407E-A947-70E740481C1C}">
-                <a14:useLocalDpi xmlns:a14="http://schemas.microsoft.com/office/drawing/2010/main" val="0"/>
-              </a:ext>
-            </a:extLst>
-          </a:blip>
-          <a:srcRect/>
-          <a:stretch>
-            <a:fillRect/>
-          </a:stretch>
-        </p:blipFill>
-        <p:spPr bwMode="auto">
-          <a:xfrm>
-            <a:off x="971389" y="4853639"/>
-            <a:ext cx="4664245" cy="1634963"/>
-          </a:xfrm>
-          <a:prstGeom prst="rect">
-            <a:avLst/>
-          </a:prstGeom>
-          <a:noFill/>
-          <a:extLst>
-            <a:ext uri="{909E8E84-426E-40DD-AFC4-6F175D3DCCD1}">
-              <a14:hiddenFill xmlns:a14="http://schemas.microsoft.com/office/drawing/2010/main">
-                <a:solidFill>
-                  <a:srgbClr val="FFFFFF"/>
-                </a:solidFill>
-              </a14:hiddenFill>
-            </a:ext>
-          </a:extLst>
-        </p:spPr>
-      </p:pic>
-    </p:spTree>
-    <p:extLst>
-      <p:ext uri="{BB962C8B-B14F-4D97-AF65-F5344CB8AC3E}">
-        <p14:creationId xmlns:p14="http://schemas.microsoft.com/office/powerpoint/2010/main" val="1305481458"/>
-      </p:ext>
-    </p:extLst>
-  </p:cSld>
-  <p:clrMapOvr>
-    <a:masterClrMapping/>
-  </p:clrMapOvr>
-</p:sld>
-</file>
-
-<file path=ppt/slides/slide11.xml><?xml version="1.0" encoding="utf-8"?>
-<p:sld xmlns:a="http://schemas.openxmlformats.org/drawingml/2006/main" xmlns:r="http://schemas.openxmlformats.org/officeDocument/2006/relationships" xmlns:p="http://schemas.openxmlformats.org/presentationml/2006/main">
-  <p:cSld>
-    <p:spTree>
-      <p:nvGrpSpPr>
-        <p:cNvPr id="1" name=""/>
-        <p:cNvGrpSpPr/>
-        <p:nvPr/>
-      </p:nvGrpSpPr>
-      <p:grpSpPr>
-        <a:xfrm>
-          <a:off x="0" y="0"/>
-          <a:ext cx="0" cy="0"/>
-          <a:chOff x="0" y="0"/>
-          <a:chExt cx="0" cy="0"/>
-        </a:xfrm>
-      </p:grpSpPr>
-      <p:sp>
-        <p:nvSpPr>
-          <p:cNvPr id="2" name="Title 1">
-            <a:extLst>
-              <a:ext uri="{FF2B5EF4-FFF2-40B4-BE49-F238E27FC236}">
-                <a16:creationId xmlns:a16="http://schemas.microsoft.com/office/drawing/2014/main" id="{245E1219-5A37-4E1A-AFC8-4705D2CA8268}"/>
-              </a:ext>
-            </a:extLst>
-          </p:cNvPr>
-          <p:cNvSpPr>
-            <a:spLocks noGrp="1"/>
-          </p:cNvSpPr>
-          <p:nvPr>
-            <p:ph type="title"/>
-          </p:nvPr>
-        </p:nvSpPr>
-        <p:spPr>
-          <a:xfrm>
-            <a:off x="838199" y="365125"/>
             <a:ext cx="9768841" cy="1030538"/>
           </a:xfrm>
         </p:spPr>
@@ -5322,7 +4968,7 @@
 </p:sld>
 </file>
 
-<file path=ppt/slides/slide12.xml><?xml version="1.0" encoding="utf-8"?>
+<file path=ppt/slides/slide11.xml><?xml version="1.0" encoding="utf-8"?>
 <p:sld xmlns:a="http://schemas.openxmlformats.org/drawingml/2006/main" xmlns:r="http://schemas.openxmlformats.org/officeDocument/2006/relationships" xmlns:p="http://schemas.openxmlformats.org/presentationml/2006/main">
   <p:cSld>
     <p:spTree>
@@ -5532,7 +5178,7 @@
 </p:sld>
 </file>
 
-<file path=ppt/slides/slide13.xml><?xml version="1.0" encoding="utf-8"?>
+<file path=ppt/slides/slide12.xml><?xml version="1.0" encoding="utf-8"?>
 <p:sld xmlns:a="http://schemas.openxmlformats.org/drawingml/2006/main" xmlns:r="http://schemas.openxmlformats.org/officeDocument/2006/relationships" xmlns:p="http://schemas.openxmlformats.org/presentationml/2006/main">
   <p:cSld>
     <p:spTree>
@@ -5742,7 +5388,7 @@
 </p:sld>
 </file>
 
-<file path=ppt/slides/slide14.xml><?xml version="1.0" encoding="utf-8"?>
+<file path=ppt/slides/slide13.xml><?xml version="1.0" encoding="utf-8"?>
 <p:sld xmlns:a="http://schemas.openxmlformats.org/drawingml/2006/main" xmlns:r="http://schemas.openxmlformats.org/officeDocument/2006/relationships" xmlns:p="http://schemas.openxmlformats.org/presentationml/2006/main">
   <p:cSld>
     <p:spTree>
@@ -5952,7 +5598,7 @@
 </p:sld>
 </file>
 
-<file path=ppt/slides/slide15.xml><?xml version="1.0" encoding="utf-8"?>
+<file path=ppt/slides/slide14.xml><?xml version="1.0" encoding="utf-8"?>
 <p:sld xmlns:a="http://schemas.openxmlformats.org/drawingml/2006/main" xmlns:r="http://schemas.openxmlformats.org/officeDocument/2006/relationships" xmlns:p="http://schemas.openxmlformats.org/presentationml/2006/main">
   <p:cSld>
     <p:spTree>
@@ -6162,7 +5808,7 @@
 </p:sld>
 </file>
 
-<file path=ppt/slides/slide16.xml><?xml version="1.0" encoding="utf-8"?>
+<file path=ppt/slides/slide15.xml><?xml version="1.0" encoding="utf-8"?>
 <p:sld xmlns:a="http://schemas.openxmlformats.org/drawingml/2006/main" xmlns:r="http://schemas.openxmlformats.org/officeDocument/2006/relationships" xmlns:p="http://schemas.openxmlformats.org/presentationml/2006/main">
   <p:cSld>
     <p:spTree>
@@ -7666,8 +7312,8 @@
         </p:blipFill>
         <p:spPr bwMode="auto">
           <a:xfrm>
-            <a:off x="5524900" y="1698258"/>
-            <a:ext cx="4905375" cy="4219575"/>
+            <a:off x="6776185" y="1693490"/>
+            <a:ext cx="4444426" cy="3823069"/>
           </a:xfrm>
           <a:prstGeom prst="rect">
             <a:avLst/>
@@ -7698,7 +7344,7 @@
         </p:nvSpPr>
         <p:spPr>
           <a:xfrm>
-            <a:off x="838199" y="2376884"/>
+            <a:off x="723643" y="1693490"/>
             <a:ext cx="4575464" cy="2862322"/>
           </a:xfrm>
           <a:prstGeom prst="rect">
@@ -7788,10 +7434,57 @@
           </a:p>
         </p:txBody>
       </p:sp>
+      <p:pic>
+        <p:nvPicPr>
+          <p:cNvPr id="5122" name="Picture 2" descr="Figure 11: Formula to calculate the neural net’s output">
+            <a:extLst>
+              <a:ext uri="{FF2B5EF4-FFF2-40B4-BE49-F238E27FC236}">
+                <a16:creationId xmlns:a16="http://schemas.microsoft.com/office/drawing/2014/main" id="{02250ACE-076C-4F31-B8BB-F79E64A24451}"/>
+              </a:ext>
+            </a:extLst>
+          </p:cNvPr>
+          <p:cNvPicPr>
+            <a:picLocks noChangeAspect="1" noChangeArrowheads="1"/>
+          </p:cNvPicPr>
+          <p:nvPr/>
+        </p:nvPicPr>
+        <p:blipFill>
+          <a:blip r:embed="rId4">
+            <a:extLst>
+              <a:ext uri="{28A0092B-C50C-407E-A947-70E740481C1C}">
+                <a14:useLocalDpi xmlns:a14="http://schemas.microsoft.com/office/drawing/2010/main" val="0"/>
+              </a:ext>
+            </a:extLst>
+          </a:blip>
+          <a:srcRect/>
+          <a:stretch>
+            <a:fillRect/>
+          </a:stretch>
+        </p:blipFill>
+        <p:spPr bwMode="auto">
+          <a:xfrm>
+            <a:off x="971389" y="4853639"/>
+            <a:ext cx="4664245" cy="1634963"/>
+          </a:xfrm>
+          <a:prstGeom prst="rect">
+            <a:avLst/>
+          </a:prstGeom>
+          <a:noFill/>
+          <a:extLst>
+            <a:ext uri="{909E8E84-426E-40DD-AFC4-6F175D3DCCD1}">
+              <a14:hiddenFill xmlns:a14="http://schemas.microsoft.com/office/drawing/2010/main">
+                <a:solidFill>
+                  <a:srgbClr val="FFFFFF"/>
+                </a:solidFill>
+              </a14:hiddenFill>
+            </a:ext>
+          </a:extLst>
+        </p:spPr>
+      </p:pic>
     </p:spTree>
     <p:extLst>
       <p:ext uri="{BB962C8B-B14F-4D97-AF65-F5344CB8AC3E}">
-        <p14:creationId xmlns:p14="http://schemas.microsoft.com/office/powerpoint/2010/main" val="1923301451"/>
+        <p14:creationId xmlns:p14="http://schemas.microsoft.com/office/powerpoint/2010/main" val="1305481458"/>
       </p:ext>
     </p:extLst>
   </p:cSld>
